--- a/ADY201m_AS01_Group04.pptx
+++ b/ADY201m_AS01_Group04.pptx
@@ -346,7 +346,7 @@
             <a:fld id="{1D8BD707-D9CF-40AE-B4C6-C98DA3205C09}" type="datetimeFigureOut">
               <a:rPr lang="en-US" smtClean="0"/>
               <a:pPr/>
-              <a:t>6/2/2024</a:t>
+              <a:t>6/3/2024</a:t>
             </a:fld>
             <a:endParaRPr lang="en-US"/>
           </a:p>
@@ -511,7 +511,7 @@
             <a:fld id="{1D8BD707-D9CF-40AE-B4C6-C98DA3205C09}" type="datetimeFigureOut">
               <a:rPr lang="en-US" smtClean="0"/>
               <a:pPr/>
-              <a:t>6/2/2024</a:t>
+              <a:t>6/3/2024</a:t>
             </a:fld>
             <a:endParaRPr lang="en-US"/>
           </a:p>
@@ -686,7 +686,7 @@
             <a:fld id="{1D8BD707-D9CF-40AE-B4C6-C98DA3205C09}" type="datetimeFigureOut">
               <a:rPr lang="en-US" smtClean="0"/>
               <a:pPr/>
-              <a:t>6/2/2024</a:t>
+              <a:t>6/3/2024</a:t>
             </a:fld>
             <a:endParaRPr lang="en-US"/>
           </a:p>
@@ -851,7 +851,7 @@
             <a:fld id="{1D8BD707-D9CF-40AE-B4C6-C98DA3205C09}" type="datetimeFigureOut">
               <a:rPr lang="en-US" smtClean="0"/>
               <a:pPr/>
-              <a:t>6/2/2024</a:t>
+              <a:t>6/3/2024</a:t>
             </a:fld>
             <a:endParaRPr lang="en-US"/>
           </a:p>
@@ -1093,7 +1093,7 @@
             <a:fld id="{1D8BD707-D9CF-40AE-B4C6-C98DA3205C09}" type="datetimeFigureOut">
               <a:rPr lang="en-US" smtClean="0"/>
               <a:pPr/>
-              <a:t>6/2/2024</a:t>
+              <a:t>6/3/2024</a:t>
             </a:fld>
             <a:endParaRPr lang="en-US"/>
           </a:p>
@@ -1375,7 +1375,7 @@
             <a:fld id="{1D8BD707-D9CF-40AE-B4C6-C98DA3205C09}" type="datetimeFigureOut">
               <a:rPr lang="en-US" smtClean="0"/>
               <a:pPr/>
-              <a:t>6/2/2024</a:t>
+              <a:t>6/3/2024</a:t>
             </a:fld>
             <a:endParaRPr lang="en-US"/>
           </a:p>
@@ -1791,7 +1791,7 @@
             <a:fld id="{1D8BD707-D9CF-40AE-B4C6-C98DA3205C09}" type="datetimeFigureOut">
               <a:rPr lang="en-US" smtClean="0"/>
               <a:pPr/>
-              <a:t>6/2/2024</a:t>
+              <a:t>6/3/2024</a:t>
             </a:fld>
             <a:endParaRPr lang="en-US"/>
           </a:p>
@@ -1905,7 +1905,7 @@
             <a:fld id="{1D8BD707-D9CF-40AE-B4C6-C98DA3205C09}" type="datetimeFigureOut">
               <a:rPr lang="en-US" smtClean="0"/>
               <a:pPr/>
-              <a:t>6/2/2024</a:t>
+              <a:t>6/3/2024</a:t>
             </a:fld>
             <a:endParaRPr lang="en-US"/>
           </a:p>
@@ -1997,7 +1997,7 @@
             <a:fld id="{1D8BD707-D9CF-40AE-B4C6-C98DA3205C09}" type="datetimeFigureOut">
               <a:rPr lang="en-US" smtClean="0"/>
               <a:pPr/>
-              <a:t>6/2/2024</a:t>
+              <a:t>6/3/2024</a:t>
             </a:fld>
             <a:endParaRPr lang="en-US"/>
           </a:p>
@@ -2269,7 +2269,7 @@
             <a:fld id="{1D8BD707-D9CF-40AE-B4C6-C98DA3205C09}" type="datetimeFigureOut">
               <a:rPr lang="en-US" smtClean="0"/>
               <a:pPr/>
-              <a:t>6/2/2024</a:t>
+              <a:t>6/3/2024</a:t>
             </a:fld>
             <a:endParaRPr lang="en-US"/>
           </a:p>
@@ -2518,7 +2518,7 @@
             <a:fld id="{1D8BD707-D9CF-40AE-B4C6-C98DA3205C09}" type="datetimeFigureOut">
               <a:rPr lang="en-US" smtClean="0"/>
               <a:pPr/>
-              <a:t>6/2/2024</a:t>
+              <a:t>6/3/2024</a:t>
             </a:fld>
             <a:endParaRPr lang="en-US"/>
           </a:p>
@@ -2726,7 +2726,7 @@
             <a:fld id="{1D8BD707-D9CF-40AE-B4C6-C98DA3205C09}" type="datetimeFigureOut">
               <a:rPr lang="en-US" smtClean="0"/>
               <a:pPr/>
-              <a:t>6/2/2024</a:t>
+              <a:t>6/3/2024</a:t>
             </a:fld>
             <a:endParaRPr lang="en-US"/>
           </a:p>
@@ -6731,8 +6731,8 @@
           </p:nvSpPr>
           <p:spPr>
             <a:xfrm flipH="1" flipV="1">
-              <a:off x="3054753" y="2741168"/>
-              <a:ext cx="1" cy="1717541"/>
+              <a:off x="3054756" y="3023608"/>
+              <a:ext cx="0" cy="1435101"/>
             </a:xfrm>
             <a:prstGeom prst="line">
               <a:avLst/>
@@ -6746,13 +6746,6 @@
               <a:tailEnd type="arrow" w="med" len="sm"/>
             </a:ln>
           </p:spPr>
-          <p:txBody>
-            <a:bodyPr/>
-            <a:lstStyle/>
-            <a:p>
-              <a:endParaRPr lang="en-US" dirty="0"/>
-            </a:p>
-          </p:txBody>
         </p:sp>
         <p:sp>
           <p:nvSpPr>
@@ -8610,7 +8603,7 @@
           <p:spPr>
             <a:xfrm flipH="1">
               <a:off x="7502169" y="5994503"/>
-              <a:ext cx="1978660" cy="23165"/>
+              <a:ext cx="1978676" cy="23165"/>
             </a:xfrm>
             <a:prstGeom prst="line">
               <a:avLst/>
@@ -14346,7 +14339,7 @@
         </p:nvSpPr>
         <p:spPr>
           <a:xfrm>
-            <a:off x="14037446" y="2004680"/>
+            <a:off x="14029873" y="2004680"/>
             <a:ext cx="3221854" cy="7219339"/>
           </a:xfrm>
           <a:custGeom>
@@ -14361,10 +14354,10 @@
                   <a:pt x="0" y="0"/>
                 </a:moveTo>
                 <a:lnTo>
-                  <a:pt x="3221854" y="0"/>
-                </a:lnTo>
-                <a:lnTo>
-                  <a:pt x="3221854" y="7219340"/>
+                  <a:pt x="3221853" y="0"/>
+                </a:lnTo>
+                <a:lnTo>
+                  <a:pt x="3221853" y="7219340"/>
                 </a:lnTo>
                 <a:lnTo>
                   <a:pt x="0" y="7219340"/>
@@ -15749,8 +15742,8 @@
         </p:nvSpPr>
         <p:spPr>
           <a:xfrm>
-            <a:off x="1036275" y="8026513"/>
-            <a:ext cx="9197775" cy="1362579"/>
+            <a:off x="11426869" y="4120472"/>
+            <a:ext cx="5824858" cy="5637764"/>
           </a:xfrm>
           <a:custGeom>
             <a:avLst/>
@@ -15759,18 +15752,18 @@
             <a:cxnLst/>
             <a:rect l="l" t="t" r="r" b="b"/>
             <a:pathLst>
-              <a:path w="9197775" h="1362579">
+              <a:path w="5824858" h="5637764">
                 <a:moveTo>
                   <a:pt x="0" y="0"/>
                 </a:moveTo>
                 <a:lnTo>
-                  <a:pt x="9197775" y="0"/>
-                </a:lnTo>
-                <a:lnTo>
-                  <a:pt x="9197775" y="1362580"/>
-                </a:lnTo>
-                <a:lnTo>
-                  <a:pt x="0" y="1362580"/>
+                  <a:pt x="5824857" y="0"/>
+                </a:lnTo>
+                <a:lnTo>
+                  <a:pt x="5824857" y="5637764"/>
+                </a:lnTo>
+                <a:lnTo>
+                  <a:pt x="0" y="5637764"/>
                 </a:lnTo>
                 <a:lnTo>
                   <a:pt x="0" y="0"/>
@@ -15782,7 +15775,7 @@
           <a:blipFill>
             <a:blip r:embed="rId4"/>
             <a:stretch>
-              <a:fillRect l="-82" r="-10799"/>
+              <a:fillRect/>
             </a:stretch>
           </a:blipFill>
         </p:spPr>
@@ -15795,8 +15788,8 @@
         </p:nvSpPr>
         <p:spPr>
           <a:xfrm>
-            <a:off x="11317275" y="3516598"/>
-            <a:ext cx="6131213" cy="5872495"/>
+            <a:off x="1036275" y="4941391"/>
+            <a:ext cx="9972495" cy="2705255"/>
           </a:xfrm>
           <a:custGeom>
             <a:avLst/>
@@ -15805,18 +15798,18 @@
             <a:cxnLst/>
             <a:rect l="l" t="t" r="r" b="b"/>
             <a:pathLst>
-              <a:path w="6131213" h="5872495">
+              <a:path w="9972495" h="2705255">
                 <a:moveTo>
                   <a:pt x="0" y="0"/>
                 </a:moveTo>
                 <a:lnTo>
-                  <a:pt x="6131213" y="0"/>
-                </a:lnTo>
-                <a:lnTo>
-                  <a:pt x="6131213" y="5872495"/>
-                </a:lnTo>
-                <a:lnTo>
-                  <a:pt x="0" y="5872495"/>
+                  <a:pt x="9972495" y="0"/>
+                </a:lnTo>
+                <a:lnTo>
+                  <a:pt x="9972495" y="2705255"/>
+                </a:lnTo>
+                <a:lnTo>
+                  <a:pt x="0" y="2705255"/>
                 </a:lnTo>
                 <a:lnTo>
                   <a:pt x="0" y="0"/>
@@ -15828,7 +15821,7 @@
           <a:blipFill>
             <a:blip r:embed="rId5"/>
             <a:stretch>
-              <a:fillRect l="-1964" t="-923" b="-923"/>
+              <a:fillRect l="-1906" t="-6531" r="-4268" b="-6993"/>
             </a:stretch>
           </a:blipFill>
         </p:spPr>
@@ -15841,8 +15834,8 @@
         </p:nvSpPr>
         <p:spPr>
           <a:xfrm>
-            <a:off x="1028700" y="5033363"/>
-            <a:ext cx="10288575" cy="2774096"/>
+            <a:off x="1028700" y="7988410"/>
+            <a:ext cx="9980070" cy="1769826"/>
           </a:xfrm>
           <a:custGeom>
             <a:avLst/>
@@ -15851,18 +15844,18 @@
             <a:cxnLst/>
             <a:rect l="l" t="t" r="r" b="b"/>
             <a:pathLst>
-              <a:path w="10288575" h="2774096">
+              <a:path w="9980070" h="1769826">
                 <a:moveTo>
                   <a:pt x="0" y="0"/>
                 </a:moveTo>
                 <a:lnTo>
-                  <a:pt x="10288575" y="0"/>
-                </a:lnTo>
-                <a:lnTo>
-                  <a:pt x="10288575" y="2774096"/>
-                </a:lnTo>
-                <a:lnTo>
-                  <a:pt x="0" y="2774096"/>
+                  <a:pt x="9980070" y="0"/>
+                </a:lnTo>
+                <a:lnTo>
+                  <a:pt x="9980070" y="1769826"/>
+                </a:lnTo>
+                <a:lnTo>
+                  <a:pt x="0" y="1769826"/>
                 </a:lnTo>
                 <a:lnTo>
                   <a:pt x="0" y="0"/>
@@ -15874,7 +15867,7 @@
           <a:blipFill>
             <a:blip r:embed="rId6"/>
             <a:stretch>
-              <a:fillRect r="-1950" b="-6698"/>
+              <a:fillRect t="-1467" b="-1467"/>
             </a:stretch>
           </a:blipFill>
         </p:spPr>
@@ -16012,7 +16005,7 @@
                 </a:solidFill>
                 <a:latin typeface="Codec Pro"/>
               </a:rPr>
-              <a:t>A total of 2348 cases were recorded.</a:t>
+              <a:t>A total of 2588 cases were recorded.</a:t>
             </a:r>
           </a:p>
         </p:txBody>
@@ -16676,8 +16669,8 @@
         </p:nvSpPr>
         <p:spPr>
           <a:xfrm>
-            <a:off x="1028700" y="1938005"/>
-            <a:ext cx="16230600" cy="695325"/>
+            <a:off x="1028700" y="1947530"/>
+            <a:ext cx="16230600" cy="685800"/>
           </a:xfrm>
           <a:prstGeom prst="rect">
             <a:avLst/>
@@ -17414,8 +17407,8 @@
         </p:nvSpPr>
         <p:spPr>
           <a:xfrm>
-            <a:off x="1028700" y="1938005"/>
-            <a:ext cx="16230600" cy="695325"/>
+            <a:off x="1028700" y="1947530"/>
+            <a:ext cx="16230600" cy="685800"/>
           </a:xfrm>
           <a:prstGeom prst="rect">
             <a:avLst/>
